--- a/client/public/images/Rules.pptx
+++ b/client/public/images/Rules.pptx
@@ -104,6 +104,11 @@
       </a:defRPr>
     </a:lvl9pPr>
   </p:defaultTextStyle>
+  <p:extLst>
+    <p:ext uri="{EFAFB233-063F-42B5-8137-9DF3F51BA10A}">
+      <p15:sldGuideLst xmlns:p15="http://schemas.microsoft.com/office/powerpoint/2012/main"/>
+    </p:ext>
+  </p:extLst>
 </p:presentation>
 </file>
 
@@ -238,7 +243,7 @@
           <a:p>
             <a:fld id="{2D2222D0-DC76-4E0C-891A-B06873947232}" type="datetimeFigureOut">
               <a:rPr lang="ko-KR" altLang="en-US" smtClean="0"/>
-              <a:t>2023-08-05</a:t>
+              <a:t>2023-08-09</a:t>
             </a:fld>
             <a:endParaRPr lang="ko-KR" altLang="en-US"/>
           </a:p>
@@ -408,7 +413,7 @@
           <a:p>
             <a:fld id="{2D2222D0-DC76-4E0C-891A-B06873947232}" type="datetimeFigureOut">
               <a:rPr lang="ko-KR" altLang="en-US" smtClean="0"/>
-              <a:t>2023-08-05</a:t>
+              <a:t>2023-08-09</a:t>
             </a:fld>
             <a:endParaRPr lang="ko-KR" altLang="en-US"/>
           </a:p>
@@ -588,7 +593,7 @@
           <a:p>
             <a:fld id="{2D2222D0-DC76-4E0C-891A-B06873947232}" type="datetimeFigureOut">
               <a:rPr lang="ko-KR" altLang="en-US" smtClean="0"/>
-              <a:t>2023-08-05</a:t>
+              <a:t>2023-08-09</a:t>
             </a:fld>
             <a:endParaRPr lang="ko-KR" altLang="en-US"/>
           </a:p>
@@ -758,7 +763,7 @@
           <a:p>
             <a:fld id="{2D2222D0-DC76-4E0C-891A-B06873947232}" type="datetimeFigureOut">
               <a:rPr lang="ko-KR" altLang="en-US" smtClean="0"/>
-              <a:t>2023-08-05</a:t>
+              <a:t>2023-08-09</a:t>
             </a:fld>
             <a:endParaRPr lang="ko-KR" altLang="en-US"/>
           </a:p>
@@ -1004,7 +1009,7 @@
           <a:p>
             <a:fld id="{2D2222D0-DC76-4E0C-891A-B06873947232}" type="datetimeFigureOut">
               <a:rPr lang="ko-KR" altLang="en-US" smtClean="0"/>
-              <a:t>2023-08-05</a:t>
+              <a:t>2023-08-09</a:t>
             </a:fld>
             <a:endParaRPr lang="ko-KR" altLang="en-US"/>
           </a:p>
@@ -1236,7 +1241,7 @@
           <a:p>
             <a:fld id="{2D2222D0-DC76-4E0C-891A-B06873947232}" type="datetimeFigureOut">
               <a:rPr lang="ko-KR" altLang="en-US" smtClean="0"/>
-              <a:t>2023-08-05</a:t>
+              <a:t>2023-08-09</a:t>
             </a:fld>
             <a:endParaRPr lang="ko-KR" altLang="en-US"/>
           </a:p>
@@ -1603,7 +1608,7 @@
           <a:p>
             <a:fld id="{2D2222D0-DC76-4E0C-891A-B06873947232}" type="datetimeFigureOut">
               <a:rPr lang="ko-KR" altLang="en-US" smtClean="0"/>
-              <a:t>2023-08-05</a:t>
+              <a:t>2023-08-09</a:t>
             </a:fld>
             <a:endParaRPr lang="ko-KR" altLang="en-US"/>
           </a:p>
@@ -1721,7 +1726,7 @@
           <a:p>
             <a:fld id="{2D2222D0-DC76-4E0C-891A-B06873947232}" type="datetimeFigureOut">
               <a:rPr lang="ko-KR" altLang="en-US" smtClean="0"/>
-              <a:t>2023-08-05</a:t>
+              <a:t>2023-08-09</a:t>
             </a:fld>
             <a:endParaRPr lang="ko-KR" altLang="en-US"/>
           </a:p>
@@ -1816,7 +1821,7 @@
           <a:p>
             <a:fld id="{2D2222D0-DC76-4E0C-891A-B06873947232}" type="datetimeFigureOut">
               <a:rPr lang="ko-KR" altLang="en-US" smtClean="0"/>
-              <a:t>2023-08-05</a:t>
+              <a:t>2023-08-09</a:t>
             </a:fld>
             <a:endParaRPr lang="ko-KR" altLang="en-US"/>
           </a:p>
@@ -2093,7 +2098,7 @@
           <a:p>
             <a:fld id="{2D2222D0-DC76-4E0C-891A-B06873947232}" type="datetimeFigureOut">
               <a:rPr lang="ko-KR" altLang="en-US" smtClean="0"/>
-              <a:t>2023-08-05</a:t>
+              <a:t>2023-08-09</a:t>
             </a:fld>
             <a:endParaRPr lang="ko-KR" altLang="en-US"/>
           </a:p>
@@ -2346,7 +2351,7 @@
           <a:p>
             <a:fld id="{2D2222D0-DC76-4E0C-891A-B06873947232}" type="datetimeFigureOut">
               <a:rPr lang="ko-KR" altLang="en-US" smtClean="0"/>
-              <a:t>2023-08-05</a:t>
+              <a:t>2023-08-09</a:t>
             </a:fld>
             <a:endParaRPr lang="ko-KR" altLang="en-US"/>
           </a:p>
@@ -2559,7 +2564,7 @@
           <a:p>
             <a:fld id="{2D2222D0-DC76-4E0C-891A-B06873947232}" type="datetimeFigureOut">
               <a:rPr lang="ko-KR" altLang="en-US" smtClean="0"/>
-              <a:t>2023-08-05</a:t>
+              <a:t>2023-08-09</a:t>
             </a:fld>
             <a:endParaRPr lang="ko-KR" altLang="en-US"/>
           </a:p>
@@ -3184,7 +3189,14 @@
                 <a:latin typeface="HY엽서M" panose="02030600000101010101" pitchFamily="18" charset="-127"/>
                 <a:ea typeface="HY엽서M" panose="02030600000101010101" pitchFamily="18" charset="-127"/>
               </a:rPr>
-              <a:t> 게임이 시작되요 </a:t>
+              <a:t> 게임이 </a:t>
+            </a:r>
+            <a:r>
+              <a:rPr lang="ko-KR" altLang="en-US" sz="2500" dirty="0" smtClean="0">
+                <a:latin typeface="HY엽서M" panose="02030600000101010101" pitchFamily="18" charset="-127"/>
+                <a:ea typeface="HY엽서M" panose="02030600000101010101" pitchFamily="18" charset="-127"/>
+              </a:rPr>
+              <a:t>시작돼요 </a:t>
             </a:r>
             <a:r>
               <a:rPr lang="en-US" altLang="ko-KR" sz="2500" dirty="0" smtClean="0">

--- a/client/public/images/Rules.pptx
+++ b/client/public/images/Rules.pptx
@@ -243,7 +243,7 @@
           <a:p>
             <a:fld id="{2D2222D0-DC76-4E0C-891A-B06873947232}" type="datetimeFigureOut">
               <a:rPr lang="ko-KR" altLang="en-US" smtClean="0"/>
-              <a:t>2023-08-09</a:t>
+              <a:t>2023-08-10</a:t>
             </a:fld>
             <a:endParaRPr lang="ko-KR" altLang="en-US"/>
           </a:p>
@@ -413,7 +413,7 @@
           <a:p>
             <a:fld id="{2D2222D0-DC76-4E0C-891A-B06873947232}" type="datetimeFigureOut">
               <a:rPr lang="ko-KR" altLang="en-US" smtClean="0"/>
-              <a:t>2023-08-09</a:t>
+              <a:t>2023-08-10</a:t>
             </a:fld>
             <a:endParaRPr lang="ko-KR" altLang="en-US"/>
           </a:p>
@@ -593,7 +593,7 @@
           <a:p>
             <a:fld id="{2D2222D0-DC76-4E0C-891A-B06873947232}" type="datetimeFigureOut">
               <a:rPr lang="ko-KR" altLang="en-US" smtClean="0"/>
-              <a:t>2023-08-09</a:t>
+              <a:t>2023-08-10</a:t>
             </a:fld>
             <a:endParaRPr lang="ko-KR" altLang="en-US"/>
           </a:p>
@@ -763,7 +763,7 @@
           <a:p>
             <a:fld id="{2D2222D0-DC76-4E0C-891A-B06873947232}" type="datetimeFigureOut">
               <a:rPr lang="ko-KR" altLang="en-US" smtClean="0"/>
-              <a:t>2023-08-09</a:t>
+              <a:t>2023-08-10</a:t>
             </a:fld>
             <a:endParaRPr lang="ko-KR" altLang="en-US"/>
           </a:p>
@@ -1009,7 +1009,7 @@
           <a:p>
             <a:fld id="{2D2222D0-DC76-4E0C-891A-B06873947232}" type="datetimeFigureOut">
               <a:rPr lang="ko-KR" altLang="en-US" smtClean="0"/>
-              <a:t>2023-08-09</a:t>
+              <a:t>2023-08-10</a:t>
             </a:fld>
             <a:endParaRPr lang="ko-KR" altLang="en-US"/>
           </a:p>
@@ -1241,7 +1241,7 @@
           <a:p>
             <a:fld id="{2D2222D0-DC76-4E0C-891A-B06873947232}" type="datetimeFigureOut">
               <a:rPr lang="ko-KR" altLang="en-US" smtClean="0"/>
-              <a:t>2023-08-09</a:t>
+              <a:t>2023-08-10</a:t>
             </a:fld>
             <a:endParaRPr lang="ko-KR" altLang="en-US"/>
           </a:p>
@@ -1608,7 +1608,7 @@
           <a:p>
             <a:fld id="{2D2222D0-DC76-4E0C-891A-B06873947232}" type="datetimeFigureOut">
               <a:rPr lang="ko-KR" altLang="en-US" smtClean="0"/>
-              <a:t>2023-08-09</a:t>
+              <a:t>2023-08-10</a:t>
             </a:fld>
             <a:endParaRPr lang="ko-KR" altLang="en-US"/>
           </a:p>
@@ -1726,7 +1726,7 @@
           <a:p>
             <a:fld id="{2D2222D0-DC76-4E0C-891A-B06873947232}" type="datetimeFigureOut">
               <a:rPr lang="ko-KR" altLang="en-US" smtClean="0"/>
-              <a:t>2023-08-09</a:t>
+              <a:t>2023-08-10</a:t>
             </a:fld>
             <a:endParaRPr lang="ko-KR" altLang="en-US"/>
           </a:p>
@@ -1821,7 +1821,7 @@
           <a:p>
             <a:fld id="{2D2222D0-DC76-4E0C-891A-B06873947232}" type="datetimeFigureOut">
               <a:rPr lang="ko-KR" altLang="en-US" smtClean="0"/>
-              <a:t>2023-08-09</a:t>
+              <a:t>2023-08-10</a:t>
             </a:fld>
             <a:endParaRPr lang="ko-KR" altLang="en-US"/>
           </a:p>
@@ -2098,7 +2098,7 @@
           <a:p>
             <a:fld id="{2D2222D0-DC76-4E0C-891A-B06873947232}" type="datetimeFigureOut">
               <a:rPr lang="ko-KR" altLang="en-US" smtClean="0"/>
-              <a:t>2023-08-09</a:t>
+              <a:t>2023-08-10</a:t>
             </a:fld>
             <a:endParaRPr lang="ko-KR" altLang="en-US"/>
           </a:p>
@@ -2351,7 +2351,7 @@
           <a:p>
             <a:fld id="{2D2222D0-DC76-4E0C-891A-B06873947232}" type="datetimeFigureOut">
               <a:rPr lang="ko-KR" altLang="en-US" smtClean="0"/>
-              <a:t>2023-08-09</a:t>
+              <a:t>2023-08-10</a:t>
             </a:fld>
             <a:endParaRPr lang="ko-KR" altLang="en-US"/>
           </a:p>
@@ -2564,7 +2564,7 @@
           <a:p>
             <a:fld id="{2D2222D0-DC76-4E0C-891A-B06873947232}" type="datetimeFigureOut">
               <a:rPr lang="ko-KR" altLang="en-US" smtClean="0"/>
-              <a:t>2023-08-09</a:t>
+              <a:t>2023-08-10</a:t>
             </a:fld>
             <a:endParaRPr lang="ko-KR" altLang="en-US"/>
           </a:p>
@@ -2958,7 +2958,7 @@
     <p:bg>
       <p:bgPr>
         <a:solidFill>
-          <a:srgbClr val="FFFFFF"/>
+          <a:srgbClr val="002060"/>
         </a:solidFill>
         <a:effectLst/>
       </p:bgPr>
@@ -3002,11 +3002,18 @@
             <a:pPr algn="ctr"/>
             <a:r>
               <a:rPr lang="en-US" altLang="ko-KR" sz="6000" b="1" dirty="0" smtClean="0">
+                <a:solidFill>
+                  <a:schemeClr val="bg1"/>
+                </a:solidFill>
                 <a:latin typeface="Bodoni MT Black" panose="02070A03080606020203" pitchFamily="18" charset="0"/>
               </a:rPr>
               <a:t>Rhythm 4 Cut</a:t>
             </a:r>
-            <a:endParaRPr lang="ko-KR" altLang="en-US" sz="2000" b="1" dirty="0"/>
+            <a:endParaRPr lang="ko-KR" altLang="en-US" sz="2000" b="1" dirty="0">
+              <a:solidFill>
+                <a:schemeClr val="bg1"/>
+              </a:solidFill>
+            </a:endParaRPr>
           </a:p>
         </p:txBody>
       </p:sp>
@@ -3024,6 +3031,11 @@
           <a:prstGeom prst="line">
             <a:avLst/>
           </a:prstGeom>
+          <a:ln>
+            <a:solidFill>
+              <a:schemeClr val="bg1"/>
+            </a:solidFill>
+          </a:ln>
         </p:spPr>
         <p:style>
           <a:lnRef idx="3">
@@ -3054,6 +3066,11 @@
           <a:prstGeom prst="line">
             <a:avLst/>
           </a:prstGeom>
+          <a:ln>
+            <a:solidFill>
+              <a:schemeClr val="bg1"/>
+            </a:solidFill>
+          </a:ln>
         </p:spPr>
         <p:style>
           <a:lnRef idx="3">
@@ -3079,7 +3096,7 @@
         <p:spPr>
           <a:xfrm>
             <a:off x="0" y="1334126"/>
-            <a:ext cx="12191999" cy="335757"/>
+            <a:ext cx="12191999" cy="369332"/>
           </a:xfrm>
           <a:prstGeom prst="rect">
             <a:avLst/>
@@ -3094,7 +3111,11 @@
           <a:p>
             <a:pPr algn="ctr"/>
             <a:r>
-              <a:rPr lang="ko-KR" altLang="en-US" dirty="0" smtClean="0"/>
+              <a:rPr lang="ko-KR" altLang="en-US" dirty="0" smtClean="0">
+                <a:solidFill>
+                  <a:schemeClr val="bg1"/>
+                </a:solidFill>
+              </a:rPr>
               <a:t>같이 있지 않아도 </a:t>
             </a:r>
             <a:r>
@@ -3106,14 +3127,26 @@
               <a:t>함께</a:t>
             </a:r>
             <a:r>
-              <a:rPr lang="ko-KR" altLang="en-US" dirty="0" smtClean="0"/>
+              <a:rPr lang="ko-KR" altLang="en-US" dirty="0" smtClean="0">
+                <a:solidFill>
+                  <a:schemeClr val="bg1"/>
+                </a:solidFill>
+              </a:rPr>
               <a:t>인 것처럼 </a:t>
             </a:r>
             <a:r>
-              <a:rPr lang="en-US" altLang="ko-KR" dirty="0" smtClean="0"/>
+              <a:rPr lang="en-US" altLang="ko-KR" dirty="0" smtClean="0">
+                <a:solidFill>
+                  <a:schemeClr val="bg1"/>
+                </a:solidFill>
+              </a:rPr>
               <a:t>!</a:t>
             </a:r>
-            <a:endParaRPr lang="ko-KR" altLang="en-US" dirty="0"/>
+            <a:endParaRPr lang="ko-KR" altLang="en-US" dirty="0">
+              <a:solidFill>
+                <a:schemeClr val="bg1"/>
+              </a:solidFill>
+            </a:endParaRPr>
           </a:p>
         </p:txBody>
       </p:sp>
@@ -3142,6 +3175,9 @@
             <a:pPr algn="ctr"/>
             <a:r>
               <a:rPr lang="en-US" altLang="ko-KR" sz="3500" dirty="0" smtClean="0">
+                <a:solidFill>
+                  <a:schemeClr val="bg1"/>
+                </a:solidFill>
                 <a:latin typeface="HY엽서M" panose="02030600000101010101" pitchFamily="18" charset="-127"/>
                 <a:ea typeface="HY엽서M" panose="02030600000101010101" pitchFamily="18" charset="-127"/>
               </a:rPr>
@@ -3158,14 +3194,17 @@
           <a:p>
             <a:pPr algn="ctr"/>
             <a:r>
-              <a:rPr lang="en-US" altLang="ko-KR" sz="2500" dirty="0" smtClean="0">
+              <a:rPr lang="en-US" altLang="ko-KR" sz="2400" dirty="0" smtClean="0">
+                <a:solidFill>
+                  <a:schemeClr val="bg1"/>
+                </a:solidFill>
                 <a:latin typeface="HY엽서M" panose="02030600000101010101" pitchFamily="18" charset="-127"/>
                 <a:ea typeface="HY엽서M" panose="02030600000101010101" pitchFamily="18" charset="-127"/>
               </a:rPr>
               <a:t>1. </a:t>
             </a:r>
             <a:r>
-              <a:rPr lang="en-US" altLang="ko-KR" sz="2500" dirty="0" smtClean="0">
+              <a:rPr lang="en-US" altLang="ko-KR" sz="2400" dirty="0" smtClean="0">
                 <a:solidFill>
                   <a:srgbClr val="FF0000"/>
                 </a:solidFill>
@@ -3175,31 +3214,30 @@
               <a:t>4</a:t>
             </a:r>
             <a:r>
-              <a:rPr lang="ko-KR" altLang="en-US" sz="2500" dirty="0" smtClean="0">
+              <a:rPr lang="ko-KR" altLang="en-US" sz="2400" dirty="0" smtClean="0">
                 <a:solidFill>
                   <a:srgbClr val="FF0000"/>
                 </a:solidFill>
                 <a:latin typeface="HY엽서M" panose="02030600000101010101" pitchFamily="18" charset="-127"/>
                 <a:ea typeface="HY엽서M" panose="02030600000101010101" pitchFamily="18" charset="-127"/>
               </a:rPr>
-              <a:t>명이 모이면</a:t>
-            </a:r>
-            <a:r>
-              <a:rPr lang="ko-KR" altLang="en-US" sz="2500" dirty="0" smtClean="0">
-                <a:latin typeface="HY엽서M" panose="02030600000101010101" pitchFamily="18" charset="-127"/>
-                <a:ea typeface="HY엽서M" panose="02030600000101010101" pitchFamily="18" charset="-127"/>
-              </a:rPr>
-              <a:t> 게임이 </a:t>
-            </a:r>
-            <a:r>
-              <a:rPr lang="ko-KR" altLang="en-US" sz="2500" dirty="0" smtClean="0">
-                <a:latin typeface="HY엽서M" panose="02030600000101010101" pitchFamily="18" charset="-127"/>
-                <a:ea typeface="HY엽서M" panose="02030600000101010101" pitchFamily="18" charset="-127"/>
-              </a:rPr>
-              <a:t>시작돼요 </a:t>
-            </a:r>
-            <a:r>
-              <a:rPr lang="en-US" altLang="ko-KR" sz="2500" dirty="0" smtClean="0">
+              <a:t>명이 모이면 </a:t>
+            </a:r>
+            <a:r>
+              <a:rPr lang="ko-KR" altLang="en-US" sz="2400" dirty="0" smtClean="0">
+                <a:solidFill>
+                  <a:schemeClr val="bg1"/>
+                </a:solidFill>
+                <a:latin typeface="HY엽서M" panose="02030600000101010101" pitchFamily="18" charset="-127"/>
+                <a:ea typeface="HY엽서M" panose="02030600000101010101" pitchFamily="18" charset="-127"/>
+              </a:rPr>
+              <a:t>게임이 시작돼요 </a:t>
+            </a:r>
+            <a:r>
+              <a:rPr lang="en-US" altLang="ko-KR" sz="2400" dirty="0" smtClean="0">
+                <a:solidFill>
+                  <a:schemeClr val="bg1"/>
+                </a:solidFill>
                 <a:latin typeface="HY엽서M" panose="02030600000101010101" pitchFamily="18" charset="-127"/>
                 <a:ea typeface="HY엽서M" panose="02030600000101010101" pitchFamily="18" charset="-127"/>
               </a:rPr>
@@ -3209,21 +3247,27 @@
           <a:p>
             <a:pPr algn="ctr"/>
             <a:r>
-              <a:rPr lang="en-US" altLang="ko-KR" sz="2500" dirty="0" smtClean="0">
+              <a:rPr lang="en-US" altLang="ko-KR" sz="2400" dirty="0" smtClean="0">
+                <a:solidFill>
+                  <a:schemeClr val="bg1"/>
+                </a:solidFill>
                 <a:latin typeface="HY엽서M" panose="02030600000101010101" pitchFamily="18" charset="-127"/>
                 <a:ea typeface="HY엽서M" panose="02030600000101010101" pitchFamily="18" charset="-127"/>
               </a:rPr>
               <a:t>2. </a:t>
             </a:r>
             <a:r>
-              <a:rPr lang="ko-KR" altLang="en-US" sz="2500" dirty="0" smtClean="0">
+              <a:rPr lang="ko-KR" altLang="en-US" sz="2400" dirty="0" smtClean="0">
+                <a:solidFill>
+                  <a:schemeClr val="bg1"/>
+                </a:solidFill>
                 <a:latin typeface="HY엽서M" panose="02030600000101010101" pitchFamily="18" charset="-127"/>
                 <a:ea typeface="HY엽서M" panose="02030600000101010101" pitchFamily="18" charset="-127"/>
               </a:rPr>
               <a:t>재생되는 영상을 보고 각자의 </a:t>
             </a:r>
             <a:r>
-              <a:rPr lang="ko-KR" altLang="en-US" sz="2500" dirty="0" smtClean="0">
+              <a:rPr lang="ko-KR" altLang="en-US" sz="2400" dirty="0" smtClean="0">
                 <a:solidFill>
                   <a:srgbClr val="FF0000"/>
                 </a:solidFill>
@@ -3233,14 +3277,20 @@
               <a:t>파트와 가사를 확인</a:t>
             </a:r>
             <a:r>
-              <a:rPr lang="ko-KR" altLang="en-US" sz="2500" dirty="0" smtClean="0">
+              <a:rPr lang="ko-KR" altLang="en-US" sz="2400" dirty="0" smtClean="0">
+                <a:solidFill>
+                  <a:schemeClr val="bg1"/>
+                </a:solidFill>
                 <a:latin typeface="HY엽서M" panose="02030600000101010101" pitchFamily="18" charset="-127"/>
                 <a:ea typeface="HY엽서M" panose="02030600000101010101" pitchFamily="18" charset="-127"/>
               </a:rPr>
               <a:t>해요 </a:t>
             </a:r>
             <a:r>
-              <a:rPr lang="en-US" altLang="ko-KR" sz="2500" dirty="0" smtClean="0">
+              <a:rPr lang="en-US" altLang="ko-KR" sz="2400" dirty="0" smtClean="0">
+                <a:solidFill>
+                  <a:schemeClr val="bg1"/>
+                </a:solidFill>
                 <a:latin typeface="HY엽서M" panose="02030600000101010101" pitchFamily="18" charset="-127"/>
                 <a:ea typeface="HY엽서M" panose="02030600000101010101" pitchFamily="18" charset="-127"/>
               </a:rPr>
@@ -3250,85 +3300,122 @@
           <a:p>
             <a:pPr algn="ctr"/>
             <a:r>
-              <a:rPr lang="en-US" altLang="ko-KR" sz="2500" dirty="0" smtClean="0">
+              <a:rPr lang="en-US" altLang="ko-KR" sz="2400" dirty="0" smtClean="0">
+                <a:solidFill>
+                  <a:schemeClr val="bg1"/>
+                </a:solidFill>
                 <a:latin typeface="HY엽서M" panose="02030600000101010101" pitchFamily="18" charset="-127"/>
                 <a:ea typeface="HY엽서M" panose="02030600000101010101" pitchFamily="18" charset="-127"/>
               </a:rPr>
               <a:t>3. </a:t>
             </a:r>
             <a:r>
-              <a:rPr lang="ko-KR" altLang="en-US" sz="2500" dirty="0" smtClean="0">
+              <a:rPr lang="ko-KR" altLang="en-US" sz="2400" dirty="0" smtClean="0">
+                <a:solidFill>
+                  <a:schemeClr val="bg1"/>
+                </a:solidFill>
                 <a:latin typeface="HY엽서M" panose="02030600000101010101" pitchFamily="18" charset="-127"/>
                 <a:ea typeface="HY엽서M" panose="02030600000101010101" pitchFamily="18" charset="-127"/>
               </a:rPr>
               <a:t>노래에 맞춰 </a:t>
             </a:r>
             <a:r>
-              <a:rPr lang="ko-KR" altLang="en-US" sz="2500" dirty="0" smtClean="0">
+              <a:rPr lang="ko-KR" altLang="en-US" sz="2400" dirty="0" smtClean="0">
                 <a:solidFill>
                   <a:srgbClr val="FF0000"/>
                 </a:solidFill>
                 <a:latin typeface="HY엽서M" panose="02030600000101010101" pitchFamily="18" charset="-127"/>
                 <a:ea typeface="HY엽서M" panose="02030600000101010101" pitchFamily="18" charset="-127"/>
               </a:rPr>
-              <a:t>가사를 외워 열창</a:t>
-            </a:r>
-            <a:r>
-              <a:rPr lang="ko-KR" altLang="en-US" sz="2500" dirty="0" smtClean="0">
-                <a:latin typeface="HY엽서M" panose="02030600000101010101" pitchFamily="18" charset="-127"/>
-                <a:ea typeface="HY엽서M" panose="02030600000101010101" pitchFamily="18" charset="-127"/>
-              </a:rPr>
-              <a:t>해요 </a:t>
-            </a:r>
-            <a:r>
-              <a:rPr lang="en-US" altLang="ko-KR" sz="2500" dirty="0" smtClean="0">
+              <a:t>가사를 외워 </a:t>
+            </a:r>
+            <a:r>
+              <a:rPr lang="ko-KR" altLang="en-US" sz="2400" dirty="0" smtClean="0">
+                <a:solidFill>
+                  <a:schemeClr val="bg1"/>
+                </a:solidFill>
+                <a:latin typeface="HY엽서M" panose="02030600000101010101" pitchFamily="18" charset="-127"/>
+                <a:ea typeface="HY엽서M" panose="02030600000101010101" pitchFamily="18" charset="-127"/>
+              </a:rPr>
+              <a:t>열창해요 </a:t>
+            </a:r>
+            <a:r>
+              <a:rPr lang="en-US" altLang="ko-KR" sz="2400" dirty="0" smtClean="0">
+                <a:solidFill>
+                  <a:schemeClr val="bg1"/>
+                </a:solidFill>
                 <a:latin typeface="HY엽서M" panose="02030600000101010101" pitchFamily="18" charset="-127"/>
                 <a:ea typeface="HY엽서M" panose="02030600000101010101" pitchFamily="18" charset="-127"/>
               </a:rPr>
               <a:t>!</a:t>
             </a:r>
+            <a:r>
+              <a:rPr lang="en-US" altLang="ko-KR" sz="2400" dirty="0" smtClean="0">
+                <a:latin typeface="HY엽서M" panose="02030600000101010101" pitchFamily="18" charset="-127"/>
+                <a:ea typeface="HY엽서M" panose="02030600000101010101" pitchFamily="18" charset="-127"/>
+              </a:rPr>
+              <a:t/>
+            </a:r>
             <a:br>
-              <a:rPr lang="en-US" altLang="ko-KR" sz="2500" dirty="0" smtClean="0">
+              <a:rPr lang="en-US" altLang="ko-KR" sz="2400" dirty="0" smtClean="0">
                 <a:latin typeface="HY엽서M" panose="02030600000101010101" pitchFamily="18" charset="-127"/>
                 <a:ea typeface="HY엽서M" panose="02030600000101010101" pitchFamily="18" charset="-127"/>
               </a:rPr>
             </a:br>
             <a:r>
-              <a:rPr lang="en-US" altLang="ko-KR" sz="2500" dirty="0" smtClean="0">
+              <a:rPr lang="en-US" altLang="ko-KR" sz="2400" dirty="0" smtClean="0">
+                <a:solidFill>
+                  <a:schemeClr val="bg1"/>
+                </a:solidFill>
                 <a:latin typeface="HY엽서M" panose="02030600000101010101" pitchFamily="18" charset="-127"/>
                 <a:ea typeface="HY엽서M" panose="02030600000101010101" pitchFamily="18" charset="-127"/>
               </a:rPr>
               <a:t>( </a:t>
             </a:r>
             <a:r>
-              <a:rPr lang="ko-KR" altLang="en-US" sz="2500" dirty="0" smtClean="0">
+              <a:rPr lang="ko-KR" altLang="en-US" sz="2400" dirty="0" smtClean="0">
+                <a:solidFill>
+                  <a:schemeClr val="bg1"/>
+                </a:solidFill>
                 <a:latin typeface="HY엽서M" panose="02030600000101010101" pitchFamily="18" charset="-127"/>
                 <a:ea typeface="HY엽서M" panose="02030600000101010101" pitchFamily="18" charset="-127"/>
               </a:rPr>
               <a:t>파트는 표시됩니다 </a:t>
             </a:r>
             <a:r>
-              <a:rPr lang="en-US" altLang="ko-KR" sz="2500" dirty="0" smtClean="0">
+              <a:rPr lang="en-US" altLang="ko-KR" sz="2400" dirty="0" smtClean="0">
+                <a:solidFill>
+                  <a:schemeClr val="bg1"/>
+                </a:solidFill>
                 <a:latin typeface="HY엽서M" panose="02030600000101010101" pitchFamily="18" charset="-127"/>
                 <a:ea typeface="HY엽서M" panose="02030600000101010101" pitchFamily="18" charset="-127"/>
               </a:rPr>
               <a:t>!</a:t>
             </a:r>
             <a:r>
-              <a:rPr lang="ko-KR" altLang="en-US" sz="2500" dirty="0" smtClean="0">
+              <a:rPr lang="ko-KR" altLang="en-US" sz="2400" dirty="0" smtClean="0">
+                <a:solidFill>
+                  <a:schemeClr val="bg1"/>
+                </a:solidFill>
                 <a:latin typeface="HY엽서M" panose="02030600000101010101" pitchFamily="18" charset="-127"/>
                 <a:ea typeface="HY엽서M" panose="02030600000101010101" pitchFamily="18" charset="-127"/>
               </a:rPr>
               <a:t> </a:t>
             </a:r>
             <a:r>
-              <a:rPr lang="en-US" altLang="ko-KR" sz="2500" dirty="0" smtClean="0">
+              <a:rPr lang="en-US" altLang="ko-KR" sz="2400" dirty="0" smtClean="0">
+                <a:solidFill>
+                  <a:schemeClr val="bg1"/>
+                </a:solidFill>
                 <a:latin typeface="HY엽서M" panose="02030600000101010101" pitchFamily="18" charset="-127"/>
                 <a:ea typeface="HY엽서M" panose="02030600000101010101" pitchFamily="18" charset="-127"/>
               </a:rPr>
               <a:t>)</a:t>
             </a:r>
-            <a:endParaRPr lang="ko-KR" altLang="en-US" sz="2500" dirty="0" smtClean="0">
+            <a:endParaRPr lang="ko-KR" altLang="en-US" sz="2400" dirty="0" smtClean="0">
+              <a:solidFill>
+                <a:schemeClr val="bg1"/>
+              </a:solidFill>
               <a:latin typeface="HY엽서M" panose="02030600000101010101" pitchFamily="18" charset="-127"/>
               <a:ea typeface="HY엽서M" panose="02030600000101010101" pitchFamily="18" charset="-127"/>
             </a:endParaRPr>
@@ -3336,27 +3423,39 @@
           <a:p>
             <a:pPr algn="ctr"/>
             <a:r>
-              <a:rPr lang="en-US" altLang="ko-KR" sz="2500" dirty="0" smtClean="0">
+              <a:rPr lang="en-US" altLang="ko-KR" sz="2400" dirty="0" smtClean="0">
+                <a:solidFill>
+                  <a:schemeClr val="bg1"/>
+                </a:solidFill>
                 <a:latin typeface="HY엽서M" panose="02030600000101010101" pitchFamily="18" charset="-127"/>
                 <a:ea typeface="HY엽서M" panose="02030600000101010101" pitchFamily="18" charset="-127"/>
               </a:rPr>
               <a:t>4. </a:t>
             </a:r>
             <a:r>
-              <a:rPr lang="ko-KR" altLang="en-US" sz="2500" dirty="0" smtClean="0">
+              <a:rPr lang="ko-KR" altLang="en-US" sz="2400" dirty="0" smtClean="0">
+                <a:solidFill>
+                  <a:schemeClr val="bg1"/>
+                </a:solidFill>
                 <a:latin typeface="HY엽서M" panose="02030600000101010101" pitchFamily="18" charset="-127"/>
                 <a:ea typeface="HY엽서M" panose="02030600000101010101" pitchFamily="18" charset="-127"/>
               </a:rPr>
               <a:t>각자의 파트가 바뀔 때마다 점수에 따라 화면이 바뀌어요</a:t>
             </a:r>
             <a:r>
-              <a:rPr lang="en-US" altLang="ko-KR" sz="2500" dirty="0" smtClean="0">
+              <a:rPr lang="en-US" altLang="ko-KR" sz="2400" dirty="0" smtClean="0">
+                <a:solidFill>
+                  <a:schemeClr val="bg1"/>
+                </a:solidFill>
                 <a:latin typeface="HY엽서M" panose="02030600000101010101" pitchFamily="18" charset="-127"/>
                 <a:ea typeface="HY엽서M" panose="02030600000101010101" pitchFamily="18" charset="-127"/>
               </a:rPr>
               <a:t>!</a:t>
             </a:r>
-            <a:endParaRPr lang="ko-KR" altLang="en-US" sz="2500" dirty="0" smtClean="0">
+            <a:endParaRPr lang="ko-KR" altLang="en-US" sz="2400" dirty="0" smtClean="0">
+              <a:solidFill>
+                <a:schemeClr val="bg1"/>
+              </a:solidFill>
               <a:latin typeface="HY엽서M" panose="02030600000101010101" pitchFamily="18" charset="-127"/>
               <a:ea typeface="HY엽서M" panose="02030600000101010101" pitchFamily="18" charset="-127"/>
             </a:endParaRPr>
@@ -3364,21 +3463,27 @@
           <a:p>
             <a:pPr algn="ctr"/>
             <a:r>
-              <a:rPr lang="en-US" altLang="ko-KR" sz="2500" dirty="0" smtClean="0">
+              <a:rPr lang="en-US" altLang="ko-KR" sz="2400" dirty="0" smtClean="0">
+                <a:solidFill>
+                  <a:schemeClr val="bg1"/>
+                </a:solidFill>
                 <a:latin typeface="HY엽서M" panose="02030600000101010101" pitchFamily="18" charset="-127"/>
                 <a:ea typeface="HY엽서M" panose="02030600000101010101" pitchFamily="18" charset="-127"/>
               </a:rPr>
               <a:t>5. </a:t>
             </a:r>
             <a:r>
-              <a:rPr lang="ko-KR" altLang="en-US" sz="2500" dirty="0" smtClean="0">
+              <a:rPr lang="ko-KR" altLang="en-US" sz="2400" dirty="0" smtClean="0">
+                <a:solidFill>
+                  <a:schemeClr val="bg1"/>
+                </a:solidFill>
                 <a:latin typeface="HY엽서M" panose="02030600000101010101" pitchFamily="18" charset="-127"/>
                 <a:ea typeface="HY엽서M" panose="02030600000101010101" pitchFamily="18" charset="-127"/>
               </a:rPr>
               <a:t>노래가 </a:t>
             </a:r>
             <a:r>
-              <a:rPr lang="ko-KR" altLang="en-US" sz="2500" dirty="0" smtClean="0">
+              <a:rPr lang="ko-KR" altLang="en-US" sz="2400" dirty="0" smtClean="0">
                 <a:solidFill>
                   <a:srgbClr val="FF0000"/>
                 </a:solidFill>
@@ -3388,21 +3493,30 @@
               <a:t>끝나면</a:t>
             </a:r>
             <a:r>
-              <a:rPr lang="en-US" altLang="ko-KR" sz="2500" dirty="0" smtClean="0">
+              <a:rPr lang="en-US" altLang="ko-KR" sz="2400" dirty="0" smtClean="0">
+                <a:solidFill>
+                  <a:schemeClr val="bg1"/>
+                </a:solidFill>
                 <a:latin typeface="HY엽서M" panose="02030600000101010101" pitchFamily="18" charset="-127"/>
                 <a:ea typeface="HY엽서M" panose="02030600000101010101" pitchFamily="18" charset="-127"/>
               </a:rPr>
               <a:t> </a:t>
             </a:r>
             <a:r>
-              <a:rPr lang="ko-KR" altLang="en-US" sz="2500" dirty="0" smtClean="0">
+              <a:rPr lang="ko-KR" altLang="en-US" sz="2400" dirty="0" smtClean="0">
+                <a:solidFill>
+                  <a:schemeClr val="bg1"/>
+                </a:solidFill>
                 <a:latin typeface="HY엽서M" panose="02030600000101010101" pitchFamily="18" charset="-127"/>
                 <a:ea typeface="HY엽서M" panose="02030600000101010101" pitchFamily="18" charset="-127"/>
               </a:rPr>
               <a:t>게임 결과 화면으로 </a:t>
             </a:r>
             <a:r>
-              <a:rPr lang="en-US" altLang="ko-KR" sz="2500" dirty="0" smtClean="0">
+              <a:rPr lang="en-US" altLang="ko-KR" sz="2400" dirty="0" smtClean="0">
+                <a:solidFill>
+                  <a:schemeClr val="bg1"/>
+                </a:solidFill>
                 <a:latin typeface="HY엽서M" panose="02030600000101010101" pitchFamily="18" charset="-127"/>
                 <a:ea typeface="HY엽서M" panose="02030600000101010101" pitchFamily="18" charset="-127"/>
               </a:rPr>
@@ -3412,82 +3526,118 @@
           <a:p>
             <a:pPr algn="ctr"/>
             <a:r>
-              <a:rPr lang="en-US" altLang="ko-KR" sz="2500" dirty="0" smtClean="0">
+              <a:rPr lang="en-US" altLang="ko-KR" sz="2400" dirty="0" smtClean="0">
+                <a:solidFill>
+                  <a:schemeClr val="bg1"/>
+                </a:solidFill>
                 <a:latin typeface="HY엽서M" panose="02030600000101010101" pitchFamily="18" charset="-127"/>
                 <a:ea typeface="HY엽서M" panose="02030600000101010101" pitchFamily="18" charset="-127"/>
               </a:rPr>
               <a:t>6. </a:t>
             </a:r>
             <a:r>
-              <a:rPr lang="ko-KR" altLang="en-US" sz="2500" dirty="0" smtClean="0">
+              <a:rPr lang="ko-KR" altLang="en-US" sz="2400" dirty="0" smtClean="0">
+                <a:solidFill>
+                  <a:schemeClr val="bg1"/>
+                </a:solidFill>
                 <a:latin typeface="HY엽서M" panose="02030600000101010101" pitchFamily="18" charset="-127"/>
                 <a:ea typeface="HY엽서M" panose="02030600000101010101" pitchFamily="18" charset="-127"/>
               </a:rPr>
               <a:t>추억</a:t>
             </a:r>
             <a:r>
-              <a:rPr lang="en-US" altLang="ko-KR" sz="2500" dirty="0" smtClean="0">
+              <a:rPr lang="en-US" altLang="ko-KR" sz="2400" dirty="0" smtClean="0">
+                <a:solidFill>
+                  <a:schemeClr val="bg1"/>
+                </a:solidFill>
                 <a:latin typeface="HY엽서M" panose="02030600000101010101" pitchFamily="18" charset="-127"/>
                 <a:ea typeface="HY엽서M" panose="02030600000101010101" pitchFamily="18" charset="-127"/>
               </a:rPr>
               <a:t>(</a:t>
             </a:r>
             <a:r>
-              <a:rPr lang="ko-KR" altLang="en-US" sz="2500" dirty="0" smtClean="0">
+              <a:rPr lang="ko-KR" altLang="en-US" sz="2400" dirty="0" smtClean="0">
+                <a:solidFill>
+                  <a:schemeClr val="bg1"/>
+                </a:solidFill>
                 <a:latin typeface="HY엽서M" panose="02030600000101010101" pitchFamily="18" charset="-127"/>
                 <a:ea typeface="HY엽서M" panose="02030600000101010101" pitchFamily="18" charset="-127"/>
               </a:rPr>
               <a:t>사진</a:t>
             </a:r>
             <a:r>
-              <a:rPr lang="en-US" altLang="ko-KR" sz="2500" dirty="0" smtClean="0">
+              <a:rPr lang="en-US" altLang="ko-KR" sz="2400" dirty="0" smtClean="0">
+                <a:solidFill>
+                  <a:schemeClr val="bg1"/>
+                </a:solidFill>
                 <a:latin typeface="HY엽서M" panose="02030600000101010101" pitchFamily="18" charset="-127"/>
                 <a:ea typeface="HY엽서M" panose="02030600000101010101" pitchFamily="18" charset="-127"/>
               </a:rPr>
               <a:t>)</a:t>
             </a:r>
             <a:r>
-              <a:rPr lang="ko-KR" altLang="en-US" sz="2500" dirty="0" smtClean="0">
+              <a:rPr lang="ko-KR" altLang="en-US" sz="2400" dirty="0" smtClean="0">
+                <a:solidFill>
+                  <a:schemeClr val="bg1"/>
+                </a:solidFill>
                 <a:latin typeface="HY엽서M" panose="02030600000101010101" pitchFamily="18" charset="-127"/>
                 <a:ea typeface="HY엽서M" panose="02030600000101010101" pitchFamily="18" charset="-127"/>
               </a:rPr>
               <a:t>을 남기러 사진 촬영 화면으로 </a:t>
             </a:r>
             <a:r>
-              <a:rPr lang="en-US" altLang="ko-KR" sz="2500" dirty="0" smtClean="0">
+              <a:rPr lang="en-US" altLang="ko-KR" sz="2400" dirty="0" smtClean="0">
+                <a:solidFill>
+                  <a:schemeClr val="bg1"/>
+                </a:solidFill>
                 <a:latin typeface="HY엽서M" panose="02030600000101010101" pitchFamily="18" charset="-127"/>
                 <a:ea typeface="HY엽서M" panose="02030600000101010101" pitchFamily="18" charset="-127"/>
               </a:rPr>
               <a:t>~!</a:t>
             </a:r>
             <a:br>
-              <a:rPr lang="en-US" altLang="ko-KR" sz="2500" dirty="0" smtClean="0">
+              <a:rPr lang="en-US" altLang="ko-KR" sz="2400" dirty="0" smtClean="0">
+                <a:solidFill>
+                  <a:schemeClr val="bg1"/>
+                </a:solidFill>
                 <a:latin typeface="HY엽서M" panose="02030600000101010101" pitchFamily="18" charset="-127"/>
                 <a:ea typeface="HY엽서M" panose="02030600000101010101" pitchFamily="18" charset="-127"/>
               </a:rPr>
             </a:br>
             <a:r>
-              <a:rPr lang="en-US" altLang="ko-KR" sz="2500" dirty="0" smtClean="0">
+              <a:rPr lang="en-US" altLang="ko-KR" sz="2400" dirty="0" smtClean="0">
+                <a:solidFill>
+                  <a:schemeClr val="bg1"/>
+                </a:solidFill>
                 <a:latin typeface="HY엽서M" panose="02030600000101010101" pitchFamily="18" charset="-127"/>
                 <a:ea typeface="HY엽서M" panose="02030600000101010101" pitchFamily="18" charset="-127"/>
               </a:rPr>
               <a:t>( </a:t>
             </a:r>
             <a:r>
-              <a:rPr lang="ko-KR" altLang="en-US" sz="2500" dirty="0" smtClean="0">
+              <a:rPr lang="ko-KR" altLang="en-US" sz="2400" dirty="0" smtClean="0">
+                <a:solidFill>
+                  <a:schemeClr val="bg1"/>
+                </a:solidFill>
                 <a:latin typeface="HY엽서M" panose="02030600000101010101" pitchFamily="18" charset="-127"/>
                 <a:ea typeface="HY엽서M" panose="02030600000101010101" pitchFamily="18" charset="-127"/>
               </a:rPr>
               <a:t>촬영을 원치 않으면 나갈 수도 있어요 </a:t>
             </a:r>
             <a:r>
-              <a:rPr lang="en-US" altLang="ko-KR" sz="2500" dirty="0" smtClean="0">
+              <a:rPr lang="en-US" altLang="ko-KR" sz="2400" dirty="0" smtClean="0">
+                <a:solidFill>
+                  <a:schemeClr val="bg1"/>
+                </a:solidFill>
                 <a:latin typeface="HY엽서M" panose="02030600000101010101" pitchFamily="18" charset="-127"/>
                 <a:ea typeface="HY엽서M" panose="02030600000101010101" pitchFamily="18" charset="-127"/>
               </a:rPr>
               <a:t>! )</a:t>
             </a:r>
-            <a:endParaRPr lang="ko-KR" altLang="en-US" sz="2500" dirty="0">
+            <a:endParaRPr lang="ko-KR" altLang="en-US" sz="2400" dirty="0">
+              <a:solidFill>
+                <a:schemeClr val="bg1"/>
+              </a:solidFill>
               <a:latin typeface="HY엽서M" panose="02030600000101010101" pitchFamily="18" charset="-127"/>
               <a:ea typeface="HY엽서M" panose="02030600000101010101" pitchFamily="18" charset="-127"/>
             </a:endParaRPr>
